--- a/Smart Chair CDR (2).pptx
+++ b/Smart Chair CDR (2).pptx
@@ -149,6 +149,7 @@
 <file path=ppt/revisionInfo.xml><?xml version="1.0" encoding="utf-8"?>
 <p1510:revInfo xmlns:a="http://schemas.openxmlformats.org/drawingml/2006/main" xmlns:r="http://schemas.openxmlformats.org/officeDocument/2006/relationships" xmlns:p1510="http://schemas.microsoft.com/office/powerpoint/2015/10/main">
   <p1510:revLst>
+    <p1510:client id="{71FA8708-82A7-4189-BF44-34597179591B}" v="3" dt="2019-06-06T19:57:49.583"/>
     <p1510:client id="{A8259B68-469F-4F68-8D2D-4AE18C4C6FE5}" v="13" dt="2019-06-06T17:24:03.238"/>
   </p1510:revLst>
 </p1510:revInfo>
@@ -156,6 +157,68 @@
 
 <file path=ppt/changesInfos/changesInfo1.xml><?xml version="1.0" encoding="utf-8"?>
 <pc:chgInfo xmlns:a="http://schemas.openxmlformats.org/drawingml/2006/main" xmlns:r="http://schemas.openxmlformats.org/officeDocument/2006/relationships" xmlns:ac="http://schemas.microsoft.com/office/drawing/2013/main/command" xmlns:pc="http://schemas.microsoft.com/office/powerpoint/2013/main/command">
+  <pc:docChgLst>
+    <pc:chgData name="Thien Nguyen" userId="d9b6d23d-e317-4b71-a31f-f4781ef731dc" providerId="ADAL" clId="{71FA8708-82A7-4189-BF44-34597179591B}"/>
+    <pc:docChg chg="modSld">
+      <pc:chgData name="Thien Nguyen" userId="d9b6d23d-e317-4b71-a31f-f4781ef731dc" providerId="ADAL" clId="{71FA8708-82A7-4189-BF44-34597179591B}" dt="2019-06-06T19:57:49.583" v="5"/>
+      <pc:docMkLst>
+        <pc:docMk/>
+      </pc:docMkLst>
+      <pc:sldChg chg="modSp">
+        <pc:chgData name="Thien Nguyen" userId="d9b6d23d-e317-4b71-a31f-f4781ef731dc" providerId="ADAL" clId="{71FA8708-82A7-4189-BF44-34597179591B}" dt="2019-06-06T19:57:32.367" v="4" actId="1036"/>
+        <pc:sldMkLst>
+          <pc:docMk/>
+          <pc:sldMk cId="73275221" sldId="257"/>
+        </pc:sldMkLst>
+        <pc:spChg chg="mod">
+          <ac:chgData name="Thien Nguyen" userId="d9b6d23d-e317-4b71-a31f-f4781ef731dc" providerId="ADAL" clId="{71FA8708-82A7-4189-BF44-34597179591B}" dt="2019-06-06T19:57:20.395" v="2"/>
+          <ac:spMkLst>
+            <pc:docMk/>
+            <pc:sldMk cId="73275221" sldId="257"/>
+            <ac:spMk id="3" creationId="{F32EA50F-369D-48CA-A2E4-9041B5F57D2A}"/>
+          </ac:spMkLst>
+        </pc:spChg>
+        <pc:picChg chg="mod">
+          <ac:chgData name="Thien Nguyen" userId="d9b6d23d-e317-4b71-a31f-f4781ef731dc" providerId="ADAL" clId="{71FA8708-82A7-4189-BF44-34597179591B}" dt="2019-06-06T19:57:32.367" v="4" actId="1036"/>
+          <ac:picMkLst>
+            <pc:docMk/>
+            <pc:sldMk cId="73275221" sldId="257"/>
+            <ac:picMk id="5" creationId="{AA96CF19-F4AF-469A-989E-FCE43444A0BD}"/>
+          </ac:picMkLst>
+        </pc:picChg>
+      </pc:sldChg>
+      <pc:sldChg chg="modSp">
+        <pc:chgData name="Thien Nguyen" userId="d9b6d23d-e317-4b71-a31f-f4781ef731dc" providerId="ADAL" clId="{71FA8708-82A7-4189-BF44-34597179591B}" dt="2019-06-06T19:57:49.583" v="5"/>
+        <pc:sldMkLst>
+          <pc:docMk/>
+          <pc:sldMk cId="2112734534" sldId="275"/>
+        </pc:sldMkLst>
+        <pc:spChg chg="mod">
+          <ac:chgData name="Thien Nguyen" userId="d9b6d23d-e317-4b71-a31f-f4781ef731dc" providerId="ADAL" clId="{71FA8708-82A7-4189-BF44-34597179591B}" dt="2019-06-06T19:57:49.583" v="5"/>
+          <ac:spMkLst>
+            <pc:docMk/>
+            <pc:sldMk cId="2112734534" sldId="275"/>
+            <ac:spMk id="3" creationId="{148AFBB5-D198-4518-946A-823B7641075E}"/>
+          </ac:spMkLst>
+        </pc:spChg>
+      </pc:sldChg>
+      <pc:sldChg chg="addSp modSp">
+        <pc:chgData name="Thien Nguyen" userId="d9b6d23d-e317-4b71-a31f-f4781ef731dc" providerId="ADAL" clId="{71FA8708-82A7-4189-BF44-34597179591B}" dt="2019-06-06T19:57:09.052" v="1" actId="1076"/>
+        <pc:sldMkLst>
+          <pc:docMk/>
+          <pc:sldMk cId="1667619464" sldId="295"/>
+        </pc:sldMkLst>
+        <pc:graphicFrameChg chg="add mod">
+          <ac:chgData name="Thien Nguyen" userId="d9b6d23d-e317-4b71-a31f-f4781ef731dc" providerId="ADAL" clId="{71FA8708-82A7-4189-BF44-34597179591B}" dt="2019-06-06T19:57:09.052" v="1" actId="1076"/>
+          <ac:graphicFrameMkLst>
+            <pc:docMk/>
+            <pc:sldMk cId="1667619464" sldId="295"/>
+            <ac:graphicFrameMk id="4" creationId="{DFDB3BB3-AB63-4285-A2D4-1FAD6F18F59C}"/>
+          </ac:graphicFrameMkLst>
+        </pc:graphicFrameChg>
+      </pc:sldChg>
+    </pc:docChg>
+  </pc:docChgLst>
   <pc:docChgLst>
     <pc:chgData name="Thien Nguyen" userId="d9b6d23d-e317-4b71-a31f-f4781ef731dc" providerId="ADAL" clId="{A8259B68-469F-4F68-8D2D-4AE18C4C6FE5}"/>
     <pc:docChg chg="undo custSel mod addSld delSld modSld">
@@ -15480,6 +15543,274 @@
           </a:p>
         </p:txBody>
       </p:sp>
+      <p:graphicFrame>
+        <p:nvGraphicFramePr>
+          <p:cNvPr id="4" name="Content Placeholder 3">
+            <a:extLst>
+              <a:ext uri="{FF2B5EF4-FFF2-40B4-BE49-F238E27FC236}">
+                <a16:creationId xmlns:a16="http://schemas.microsoft.com/office/drawing/2014/main" id="{DFDB3BB3-AB63-4285-A2D4-1FAD6F18F59C}"/>
+              </a:ext>
+            </a:extLst>
+          </p:cNvPr>
+          <p:cNvGraphicFramePr>
+            <a:graphicFrameLocks/>
+          </p:cNvGraphicFramePr>
+          <p:nvPr>
+            <p:extLst>
+              <p:ext uri="{D42A27DB-BD31-4B8C-83A1-F6EECF244321}">
+                <p14:modId xmlns:p14="http://schemas.microsoft.com/office/powerpoint/2010/main" val="1582054398"/>
+              </p:ext>
+            </p:extLst>
+          </p:nvPr>
+        </p:nvGraphicFramePr>
+        <p:xfrm>
+          <a:off x="989012" y="2087750"/>
+          <a:ext cx="10515600" cy="3869322"/>
+        </p:xfrm>
+        <a:graphic>
+          <a:graphicData uri="http://schemas.openxmlformats.org/drawingml/2006/table">
+            <a:tbl>
+              <a:tblPr firstRow="1" bandRow="1">
+                <a:tableStyleId>{5C22544A-7EE6-4342-B048-85BDC9FD1C3A}</a:tableStyleId>
+              </a:tblPr>
+              <a:tblGrid>
+                <a:gridCol w="5257800">
+                  <a:extLst>
+                    <a:ext uri="{9D8B030D-6E8A-4147-A177-3AD203B41FA5}">
+                      <a16:colId xmlns:a16="http://schemas.microsoft.com/office/drawing/2014/main" val="2763982397"/>
+                    </a:ext>
+                  </a:extLst>
+                </a:gridCol>
+                <a:gridCol w="5257800">
+                  <a:extLst>
+                    <a:ext uri="{9D8B030D-6E8A-4147-A177-3AD203B41FA5}">
+                      <a16:colId xmlns:a16="http://schemas.microsoft.com/office/drawing/2014/main" val="1825212420"/>
+                    </a:ext>
+                  </a:extLst>
+                </a:gridCol>
+              </a:tblGrid>
+              <a:tr h="644887">
+                <a:tc>
+                  <a:txBody>
+                    <a:bodyPr/>
+                    <a:lstStyle/>
+                    <a:p>
+                      <a:pPr algn="ctr"/>
+                      <a:r>
+                        <a:rPr lang="en-US" dirty="0"/>
+                        <a:t>Hardware Features</a:t>
+                      </a:r>
+                    </a:p>
+                  </a:txBody>
+                  <a:tcPr/>
+                </a:tc>
+                <a:tc>
+                  <a:txBody>
+                    <a:bodyPr/>
+                    <a:lstStyle/>
+                    <a:p>
+                      <a:pPr algn="ctr"/>
+                      <a:r>
+                        <a:rPr lang="en-US" dirty="0"/>
+                        <a:t>Software Features</a:t>
+                      </a:r>
+                    </a:p>
+                  </a:txBody>
+                  <a:tcPr/>
+                </a:tc>
+                <a:extLst>
+                  <a:ext uri="{0D108BD9-81ED-4DB2-BD59-A6C34878D82A}">
+                    <a16:rowId xmlns:a16="http://schemas.microsoft.com/office/drawing/2014/main" val="4185502739"/>
+                  </a:ext>
+                </a:extLst>
+              </a:tr>
+              <a:tr h="644887">
+                <a:tc>
+                  <a:txBody>
+                    <a:bodyPr/>
+                    <a:lstStyle/>
+                    <a:p>
+                      <a:pPr algn="ctr"/>
+                      <a:r>
+                        <a:rPr lang="en-US" dirty="0"/>
+                        <a:t>CPU: </a:t>
+                      </a:r>
+                      <a:r>
+                        <a:rPr lang="en-US" dirty="0" err="1"/>
+                        <a:t>Tensilla</a:t>
+                      </a:r>
+                      <a:r>
+                        <a:rPr lang="en-US" dirty="0"/>
+                        <a:t> L 106 32-bit</a:t>
+                      </a:r>
+                    </a:p>
+                  </a:txBody>
+                  <a:tcPr/>
+                </a:tc>
+                <a:tc>
+                  <a:txBody>
+                    <a:bodyPr/>
+                    <a:lstStyle/>
+                    <a:p>
+                      <a:pPr algn="ctr"/>
+                      <a:r>
+                        <a:rPr lang="en-US" dirty="0"/>
+                        <a:t>Security: WPA / WPA2</a:t>
+                      </a:r>
+                    </a:p>
+                  </a:txBody>
+                  <a:tcPr/>
+                </a:tc>
+                <a:extLst>
+                  <a:ext uri="{0D108BD9-81ED-4DB2-BD59-A6C34878D82A}">
+                    <a16:rowId xmlns:a16="http://schemas.microsoft.com/office/drawing/2014/main" val="2855448023"/>
+                  </a:ext>
+                </a:extLst>
+              </a:tr>
+              <a:tr h="644887">
+                <a:tc>
+                  <a:txBody>
+                    <a:bodyPr/>
+                    <a:lstStyle/>
+                    <a:p>
+                      <a:pPr algn="ctr"/>
+                      <a:r>
+                        <a:rPr lang="en-US" dirty="0"/>
+                        <a:t>Integrated Memory (SRAM)</a:t>
+                      </a:r>
+                    </a:p>
+                  </a:txBody>
+                  <a:tcPr/>
+                </a:tc>
+                <a:tc>
+                  <a:txBody>
+                    <a:bodyPr/>
+                    <a:lstStyle/>
+                    <a:p>
+                      <a:pPr algn="ctr"/>
+                      <a:r>
+                        <a:rPr lang="en-US" dirty="0"/>
+                        <a:t>Encryption: WEP/TKIP/AES</a:t>
+                      </a:r>
+                    </a:p>
+                  </a:txBody>
+                  <a:tcPr/>
+                </a:tc>
+                <a:extLst>
+                  <a:ext uri="{0D108BD9-81ED-4DB2-BD59-A6C34878D82A}">
+                    <a16:rowId xmlns:a16="http://schemas.microsoft.com/office/drawing/2014/main" val="4084618693"/>
+                  </a:ext>
+                </a:extLst>
+              </a:tr>
+              <a:tr h="644887">
+                <a:tc>
+                  <a:txBody>
+                    <a:bodyPr/>
+                    <a:lstStyle/>
+                    <a:p>
+                      <a:pPr algn="ctr"/>
+                      <a:r>
+                        <a:rPr lang="en-US" dirty="0"/>
+                        <a:t>SPI External Flash</a:t>
+                      </a:r>
+                    </a:p>
+                  </a:txBody>
+                  <a:tcPr/>
+                </a:tc>
+                <a:tc>
+                  <a:txBody>
+                    <a:bodyPr/>
+                    <a:lstStyle/>
+                    <a:p>
+                      <a:pPr algn="ctr"/>
+                      <a:r>
+                        <a:rPr lang="en-US" dirty="0"/>
+                        <a:t>Firmware: OTA Network</a:t>
+                      </a:r>
+                    </a:p>
+                  </a:txBody>
+                  <a:tcPr/>
+                </a:tc>
+                <a:extLst>
+                  <a:ext uri="{0D108BD9-81ED-4DB2-BD59-A6C34878D82A}">
+                    <a16:rowId xmlns:a16="http://schemas.microsoft.com/office/drawing/2014/main" val="1385632910"/>
+                  </a:ext>
+                </a:extLst>
+              </a:tr>
+              <a:tr h="644887">
+                <a:tc>
+                  <a:txBody>
+                    <a:bodyPr/>
+                    <a:lstStyle/>
+                    <a:p>
+                      <a:pPr algn="ctr"/>
+                      <a:r>
+                        <a:rPr lang="en-US" dirty="0"/>
+                        <a:t>RF 2.4 GHz Receive/Transmit</a:t>
+                      </a:r>
+                    </a:p>
+                  </a:txBody>
+                  <a:tcPr/>
+                </a:tc>
+                <a:tc>
+                  <a:txBody>
+                    <a:bodyPr/>
+                    <a:lstStyle/>
+                    <a:p>
+                      <a:pPr algn="ctr"/>
+                      <a:r>
+                        <a:rPr lang="en-US" dirty="0"/>
+                        <a:t>SDK: Supports Cloud Server</a:t>
+                      </a:r>
+                    </a:p>
+                  </a:txBody>
+                  <a:tcPr/>
+                </a:tc>
+                <a:extLst>
+                  <a:ext uri="{0D108BD9-81ED-4DB2-BD59-A6C34878D82A}">
+                    <a16:rowId xmlns:a16="http://schemas.microsoft.com/office/drawing/2014/main" val="1641540526"/>
+                  </a:ext>
+                </a:extLst>
+              </a:tr>
+              <a:tr h="644887">
+                <a:tc>
+                  <a:txBody>
+                    <a:bodyPr/>
+                    <a:lstStyle/>
+                    <a:p>
+                      <a:pPr algn="ctr"/>
+                      <a:r>
+                        <a:rPr lang="en-US" dirty="0"/>
+                        <a:t>Adjustable Power Mode</a:t>
+                      </a:r>
+                    </a:p>
+                  </a:txBody>
+                  <a:tcPr/>
+                </a:tc>
+                <a:tc>
+                  <a:txBody>
+                    <a:bodyPr/>
+                    <a:lstStyle/>
+                    <a:p>
+                      <a:pPr algn="ctr"/>
+                      <a:r>
+                        <a:rPr lang="en-US" dirty="0"/>
+                        <a:t>Network Protocol: TCP/UDP/HTTP</a:t>
+                      </a:r>
+                    </a:p>
+                  </a:txBody>
+                  <a:tcPr/>
+                </a:tc>
+                <a:extLst>
+                  <a:ext uri="{0D108BD9-81ED-4DB2-BD59-A6C34878D82A}">
+                    <a16:rowId xmlns:a16="http://schemas.microsoft.com/office/drawing/2014/main" val="3914189748"/>
+                  </a:ext>
+                </a:extLst>
+              </a:tr>
+            </a:tbl>
+          </a:graphicData>
+        </a:graphic>
+      </p:graphicFrame>
     </p:spTree>
     <p:extLst>
       <p:ext uri="{BB962C8B-B14F-4D97-AF65-F5344CB8AC3E}">
@@ -15580,12 +15911,6 @@
           <a:p>
             <a:r>
               <a:rPr lang="en-US" dirty="0"/>
-              <a:t>Can be programmed</a:t>
-            </a:r>
-          </a:p>
-          <a:p>
-            <a:r>
-              <a:rPr lang="en-US" dirty="0"/>
               <a:t>Breadboard testing</a:t>
             </a:r>
           </a:p>
@@ -15593,6 +15918,12 @@
             <a:r>
               <a:rPr lang="en-US" dirty="0"/>
               <a:t>Surface mount</a:t>
+            </a:r>
+          </a:p>
+          <a:p>
+            <a:r>
+              <a:rPr lang="en-US" dirty="0"/>
+              <a:t>Antenna RF optimization</a:t>
             </a:r>
           </a:p>
           <a:p>
@@ -15628,7 +15959,7 @@
         </p:blipFill>
         <p:spPr>
           <a:xfrm>
-            <a:off x="6443071" y="399627"/>
+            <a:off x="6096000" y="1842250"/>
             <a:ext cx="5323256" cy="2699833"/>
           </a:xfrm>
           <a:prstGeom prst="rect">
@@ -15932,13 +16263,13 @@
           <a:p>
             <a:r>
               <a:rPr lang="en-US" dirty="0"/>
-              <a:t>Requires multiple libraries</a:t>
+              <a:t>Difficult to start working</a:t>
             </a:r>
           </a:p>
           <a:p>
             <a:r>
               <a:rPr lang="en-US" dirty="0"/>
-              <a:t>Difficult to start working</a:t>
+              <a:t>Requires multiple libraries</a:t>
             </a:r>
           </a:p>
         </p:txBody>
